--- a/StarPainter_resources/2018180040 - 2DGP 2차 발표 프레젠테이션 (제작하기).pptx
+++ b/StarPainter_resources/2018180040 - 2DGP 2차 발표 프레젠테이션 (제작하기).pptx
@@ -219,7 +219,7 @@
               <a:pPr lvl="0">
                 <a:defRPr lang="ko-KR" altLang="en-US"/>
               </a:pPr>
-              <a:t>2022-10-14</a:t>
+              <a:t>2022-10-17</a:t>
             </a:fld>
             <a:endParaRPr lang="ko-KR" altLang="en-US"/>
           </a:p>
@@ -779,7 +779,7 @@
           <a:p>
             <a:fld id="{5DEF9E08-89F7-4BEF-8B6A-F0B3DC75C2BF}" type="datetimeFigureOut">
               <a:rPr lang="ko-KR" altLang="en-US" smtClean="0"/>
-              <a:t>2022-10-14</a:t>
+              <a:t>2022-10-17</a:t>
             </a:fld>
             <a:endParaRPr lang="ko-KR" altLang="en-US"/>
           </a:p>
@@ -2583,7 +2583,7 @@
           <a:p>
             <a:fld id="{5DEF9E08-89F7-4BEF-8B6A-F0B3DC75C2BF}" type="datetimeFigureOut">
               <a:rPr lang="ko-KR" altLang="en-US" smtClean="0"/>
-              <a:t>2022-10-14</a:t>
+              <a:t>2022-10-17</a:t>
             </a:fld>
             <a:endParaRPr lang="ko-KR" altLang="en-US"/>
           </a:p>
@@ -2763,7 +2763,7 @@
           <a:p>
             <a:fld id="{5DEF9E08-89F7-4BEF-8B6A-F0B3DC75C2BF}" type="datetimeFigureOut">
               <a:rPr lang="ko-KR" altLang="en-US" smtClean="0"/>
-              <a:t>2022-10-14</a:t>
+              <a:t>2022-10-17</a:t>
             </a:fld>
             <a:endParaRPr lang="ko-KR" altLang="en-US"/>
           </a:p>
@@ -2938,7 +2938,7 @@
           <a:p>
             <a:fld id="{5DEF9E08-89F7-4BEF-8B6A-F0B3DC75C2BF}" type="datetimeFigureOut">
               <a:rPr lang="ko-KR" altLang="en-US" smtClean="0"/>
-              <a:t>2022-10-14</a:t>
+              <a:t>2022-10-17</a:t>
             </a:fld>
             <a:endParaRPr lang="ko-KR" altLang="en-US"/>
           </a:p>
@@ -3186,7 +3186,7 @@
           <a:p>
             <a:fld id="{5DEF9E08-89F7-4BEF-8B6A-F0B3DC75C2BF}" type="datetimeFigureOut">
               <a:rPr lang="ko-KR" altLang="en-US" smtClean="0"/>
-              <a:t>2022-10-14</a:t>
+              <a:t>2022-10-17</a:t>
             </a:fld>
             <a:endParaRPr lang="ko-KR" altLang="en-US"/>
           </a:p>
@@ -5108,7 +5108,7 @@
           <a:p>
             <a:fld id="{5DEF9E08-89F7-4BEF-8B6A-F0B3DC75C2BF}" type="datetimeFigureOut">
               <a:rPr lang="ko-KR" altLang="en-US" smtClean="0"/>
-              <a:t>2022-10-14</a:t>
+              <a:t>2022-10-17</a:t>
             </a:fld>
             <a:endParaRPr lang="ko-KR" altLang="en-US"/>
           </a:p>
@@ -5544,7 +5544,7 @@
           <a:p>
             <a:fld id="{5DEF9E08-89F7-4BEF-8B6A-F0B3DC75C2BF}" type="datetimeFigureOut">
               <a:rPr lang="ko-KR" altLang="en-US" smtClean="0"/>
-              <a:t>2022-10-14</a:t>
+              <a:t>2022-10-17</a:t>
             </a:fld>
             <a:endParaRPr lang="ko-KR" altLang="en-US"/>
           </a:p>
@@ -5662,7 +5662,7 @@
           <a:p>
             <a:fld id="{5DEF9E08-89F7-4BEF-8B6A-F0B3DC75C2BF}" type="datetimeFigureOut">
               <a:rPr lang="ko-KR" altLang="en-US" smtClean="0"/>
-              <a:t>2022-10-14</a:t>
+              <a:t>2022-10-17</a:t>
             </a:fld>
             <a:endParaRPr lang="ko-KR" altLang="en-US"/>
           </a:p>
@@ -5757,7 +5757,7 @@
           <a:p>
             <a:fld id="{5DEF9E08-89F7-4BEF-8B6A-F0B3DC75C2BF}" type="datetimeFigureOut">
               <a:rPr lang="ko-KR" altLang="en-US" smtClean="0"/>
-              <a:t>2022-10-14</a:t>
+              <a:t>2022-10-17</a:t>
             </a:fld>
             <a:endParaRPr lang="ko-KR" altLang="en-US"/>
           </a:p>
@@ -6054,7 +6054,7 @@
           <a:p>
             <a:fld id="{5DEF9E08-89F7-4BEF-8B6A-F0B3DC75C2BF}" type="datetimeFigureOut">
               <a:rPr lang="ko-KR" altLang="en-US" smtClean="0"/>
-              <a:t>2022-10-14</a:t>
+              <a:t>2022-10-17</a:t>
             </a:fld>
             <a:endParaRPr lang="ko-KR" altLang="en-US"/>
           </a:p>
@@ -6326,7 +6326,7 @@
           <a:p>
             <a:fld id="{5DEF9E08-89F7-4BEF-8B6A-F0B3DC75C2BF}" type="datetimeFigureOut">
               <a:rPr lang="ko-KR" altLang="en-US" smtClean="0"/>
-              <a:t>2022-10-14</a:t>
+              <a:t>2022-10-17</a:t>
             </a:fld>
             <a:endParaRPr lang="ko-KR" altLang="en-US"/>
           </a:p>
@@ -9439,7 +9439,7 @@
           <a:p>
             <a:fld id="{5DEF9E08-89F7-4BEF-8B6A-F0B3DC75C2BF}" type="datetimeFigureOut">
               <a:rPr lang="ko-KR" altLang="en-US" smtClean="0"/>
-              <a:t>2022-10-14</a:t>
+              <a:t>2022-10-17</a:t>
             </a:fld>
             <a:endParaRPr lang="ko-KR" altLang="en-US"/>
           </a:p>
@@ -10283,8 +10283,8 @@
         </p:nvSpPr>
         <p:spPr>
           <a:xfrm>
-            <a:off x="609600" y="1188720"/>
-            <a:ext cx="10829365" cy="5507915"/>
+            <a:off x="609600" y="1188721"/>
+            <a:ext cx="10829365" cy="5231130"/>
           </a:xfrm>
         </p:spPr>
         <p:txBody>
@@ -10415,6 +10415,26 @@
             <a:r>
               <a:rPr lang="ko-KR" altLang="en-US" sz="2000" dirty="0">
                 <a:solidFill>
+                  <a:schemeClr val="bg1"/>
+                </a:solidFill>
+                <a:latin typeface="ONE 모바일POP OTF"/>
+                <a:ea typeface="ONE 모바일POP OTF"/>
+              </a:rPr>
+              <a:t>로고</a:t>
+            </a:r>
+            <a:r>
+              <a:rPr lang="en-US" altLang="ko-KR" sz="2000" dirty="0">
+                <a:solidFill>
+                  <a:schemeClr val="bg1"/>
+                </a:solidFill>
+                <a:latin typeface="ONE 모바일POP OTF"/>
+                <a:ea typeface="ONE 모바일POP OTF"/>
+              </a:rPr>
+              <a:t>, </a:t>
+            </a:r>
+            <a:r>
+              <a:rPr lang="ko-KR" altLang="en-US" sz="2000" dirty="0">
+                <a:solidFill>
                   <a:schemeClr val="bg1">
                     <a:lumMod val="75000"/>
                   </a:schemeClr>
@@ -10422,7 +10442,7 @@
                 <a:latin typeface="ONE 모바일POP OTF"/>
                 <a:ea typeface="ONE 모바일POP OTF"/>
               </a:rPr>
-              <a:t>로고</a:t>
+              <a:t>별의 기억</a:t>
             </a:r>
             <a:r>
               <a:rPr lang="en-US" altLang="ko-KR" sz="2000" dirty="0">
@@ -10446,7 +10466,7 @@
                 <a:latin typeface="ONE 모바일POP OTF"/>
                 <a:ea typeface="ONE 모바일POP OTF"/>
               </a:rPr>
-              <a:t>별의 기억</a:t>
+              <a:t>별</a:t>
             </a:r>
             <a:r>
               <a:rPr lang="en-US" altLang="ko-KR" sz="2000" dirty="0">
@@ -10470,32 +10490,37 @@
                 <a:latin typeface="ONE 모바일POP OTF"/>
                 <a:ea typeface="ONE 모바일POP OTF"/>
               </a:rPr>
-              <a:t>별</a:t>
+              <a:t>목표 지점 : </a:t>
             </a:r>
             <a:r>
               <a:rPr lang="en-US" altLang="ko-KR" sz="2000" dirty="0">
                 <a:solidFill>
-                  <a:schemeClr val="bg1">
-                    <a:lumMod val="75000"/>
-                  </a:schemeClr>
-                </a:solidFill>
-                <a:latin typeface="ONE 모바일POP OTF"/>
-                <a:ea typeface="ONE 모바일POP OTF"/>
-              </a:rPr>
-              <a:t>, </a:t>
+                  <a:schemeClr val="bg1"/>
+                </a:solidFill>
+                <a:latin typeface="ONE 모바일POP OTF"/>
+                <a:ea typeface="ONE 모바일POP OTF"/>
+              </a:rPr>
+              <a:t>?% </a:t>
             </a:r>
             <a:r>
               <a:rPr lang="ko-KR" altLang="en-US" sz="2000" dirty="0">
                 <a:solidFill>
-                  <a:schemeClr val="bg1">
-                    <a:lumMod val="75000"/>
-                  </a:schemeClr>
-                </a:solidFill>
-                <a:latin typeface="ONE 모바일POP OTF"/>
-                <a:ea typeface="ONE 모바일POP OTF"/>
-              </a:rPr>
-              <a:t>목표 지점 : </a:t>
-            </a:r>
+                  <a:schemeClr val="bg1"/>
+                </a:solidFill>
+                <a:latin typeface="ONE 모바일POP OTF"/>
+                <a:ea typeface="ONE 모바일POP OTF"/>
+              </a:rPr>
+              <a:t>완료 </a:t>
+            </a:r>
+            <a:endParaRPr lang="ko-KR" altLang="en-US" sz="2000" dirty="0">
+              <a:solidFill>
+                <a:schemeClr val="bg1">
+                  <a:lumMod val="75000"/>
+                </a:schemeClr>
+              </a:solidFill>
+              <a:latin typeface="ONE 모바일POP OTF"/>
+              <a:ea typeface="ONE 모바일POP OTF"/>
+            </a:endParaRPr>
           </a:p>
           <a:p>
             <a:pPr lvl="0">
@@ -10540,7 +10565,7 @@
                 <a:latin typeface="ONE 모바일POP OTF"/>
                 <a:ea typeface="ONE 모바일POP OTF"/>
               </a:rPr>
-              <a:t> % </a:t>
+              <a:t>% </a:t>
             </a:r>
             <a:r>
               <a:rPr lang="ko-KR" altLang="en-US" sz="2000" dirty="0">
@@ -10738,7 +10763,31 @@
                 <a:latin typeface="ONE 모바일POP OTF"/>
                 <a:ea typeface="ONE 모바일POP OTF"/>
               </a:rPr>
-              <a:t> :</a:t>
+              <a:t> : </a:t>
+            </a:r>
+            <a:r>
+              <a:rPr lang="en-US" altLang="ko-KR" sz="2000" dirty="0">
+                <a:solidFill>
+                  <a:schemeClr val="bg1">
+                    <a:lumMod val="75000"/>
+                  </a:schemeClr>
+                </a:solidFill>
+                <a:latin typeface="ONE 모바일POP OTF"/>
+                <a:ea typeface="ONE 모바일POP OTF"/>
+              </a:rPr>
+              <a:t>0% </a:t>
+            </a:r>
+            <a:r>
+              <a:rPr lang="ko-KR" altLang="en-US" sz="2000" dirty="0">
+                <a:solidFill>
+                  <a:schemeClr val="bg1">
+                    <a:lumMod val="75000"/>
+                  </a:schemeClr>
+                </a:solidFill>
+                <a:latin typeface="ONE 모바일POP OTF"/>
+                <a:ea typeface="ONE 모바일POP OTF"/>
+              </a:rPr>
+              <a:t>완료</a:t>
             </a:r>
             <a:r>
               <a:rPr lang="en-US" altLang="ko-KR" sz="2000" dirty="0">
@@ -10852,7 +10901,31 @@
                 <a:latin typeface="ONE 모바일POP OTF"/>
                 <a:ea typeface="ONE 모바일POP OTF"/>
               </a:rPr>
-              <a:t> :</a:t>
+              <a:t> : </a:t>
+            </a:r>
+            <a:r>
+              <a:rPr lang="en-US" altLang="ko-KR" sz="2000" dirty="0">
+                <a:solidFill>
+                  <a:schemeClr val="bg1">
+                    <a:lumMod val="75000"/>
+                  </a:schemeClr>
+                </a:solidFill>
+                <a:latin typeface="ONE 모바일POP OTF"/>
+                <a:ea typeface="ONE 모바일POP OTF"/>
+              </a:rPr>
+              <a:t>0% </a:t>
+            </a:r>
+            <a:r>
+              <a:rPr lang="ko-KR" altLang="en-US" sz="2000" dirty="0">
+                <a:solidFill>
+                  <a:schemeClr val="bg1">
+                    <a:lumMod val="75000"/>
+                  </a:schemeClr>
+                </a:solidFill>
+                <a:latin typeface="ONE 모바일POP OTF"/>
+                <a:ea typeface="ONE 모바일POP OTF"/>
+              </a:rPr>
+              <a:t>완료 </a:t>
             </a:r>
           </a:p>
           <a:p>
@@ -10863,6 +10936,26 @@
             <a:r>
               <a:rPr lang="ko-KR" altLang="en-US" sz="2000" dirty="0">
                 <a:solidFill>
+                  <a:schemeClr val="bg1"/>
+                </a:solidFill>
+                <a:latin typeface="ONE 모바일POP OTF"/>
+                <a:ea typeface="ONE 모바일POP OTF"/>
+              </a:rPr>
+              <a:t>땅</a:t>
+            </a:r>
+            <a:r>
+              <a:rPr lang="en-US" altLang="ko-KR" sz="2000" dirty="0">
+                <a:solidFill>
+                  <a:schemeClr val="bg1"/>
+                </a:solidFill>
+                <a:latin typeface="ONE 모바일POP OTF"/>
+                <a:ea typeface="ONE 모바일POP OTF"/>
+              </a:rPr>
+              <a:t>, </a:t>
+            </a:r>
+            <a:r>
+              <a:rPr lang="ko-KR" altLang="en-US" sz="2000" dirty="0">
+                <a:solidFill>
                   <a:schemeClr val="bg1">
                     <a:lumMod val="75000"/>
                   </a:schemeClr>
@@ -10870,7 +10963,7 @@
                 <a:latin typeface="ONE 모바일POP OTF"/>
                 <a:ea typeface="ONE 모바일POP OTF"/>
               </a:rPr>
-              <a:t>땅</a:t>
+              <a:t>기술 아이콘</a:t>
             </a:r>
             <a:r>
               <a:rPr lang="en-US" altLang="ko-KR" sz="2000" dirty="0">
@@ -10882,7 +10975,7 @@
                 <a:latin typeface="ONE 모바일POP OTF"/>
                 <a:ea typeface="ONE 모바일POP OTF"/>
               </a:rPr>
-              <a:t>, </a:t>
+              <a:t>(</a:t>
             </a:r>
             <a:r>
               <a:rPr lang="ko-KR" altLang="en-US" sz="2000" dirty="0">
@@ -10894,7 +10987,7 @@
                 <a:latin typeface="ONE 모바일POP OTF"/>
                 <a:ea typeface="ONE 모바일POP OTF"/>
               </a:rPr>
-              <a:t>기술 아이콘</a:t>
+              <a:t>잠김</a:t>
             </a:r>
             <a:r>
               <a:rPr lang="en-US" altLang="ko-KR" sz="2000" dirty="0">
@@ -10906,7 +10999,7 @@
                 <a:latin typeface="ONE 모바일POP OTF"/>
                 <a:ea typeface="ONE 모바일POP OTF"/>
               </a:rPr>
-              <a:t>(</a:t>
+              <a:t>, </a:t>
             </a:r>
             <a:r>
               <a:rPr lang="ko-KR" altLang="en-US" sz="2000" dirty="0">
@@ -10918,7 +11011,7 @@
                 <a:latin typeface="ONE 모바일POP OTF"/>
                 <a:ea typeface="ONE 모바일POP OTF"/>
               </a:rPr>
-              <a:t>잠김</a:t>
+              <a:t>열림</a:t>
             </a:r>
             <a:r>
               <a:rPr lang="en-US" altLang="ko-KR" sz="2000" dirty="0">
@@ -10933,7 +11026,7 @@
               <a:t>, </a:t>
             </a:r>
             <a:r>
-              <a:rPr lang="ko-KR" altLang="en-US" sz="2000" dirty="0">
+              <a:rPr lang="ko-KR" altLang="en-US" sz="2000" dirty="0" err="1">
                 <a:solidFill>
                   <a:schemeClr val="bg1">
                     <a:lumMod val="75000"/>
@@ -10942,7 +11035,7 @@
                 <a:latin typeface="ONE 모바일POP OTF"/>
                 <a:ea typeface="ONE 모바일POP OTF"/>
               </a:rPr>
-              <a:t>열림</a:t>
+              <a:t>쿨타임</a:t>
             </a:r>
             <a:r>
               <a:rPr lang="en-US" altLang="ko-KR" sz="2000" dirty="0">
@@ -10954,10 +11047,10 @@
                 <a:latin typeface="ONE 모바일POP OTF"/>
                 <a:ea typeface="ONE 모바일POP OTF"/>
               </a:rPr>
-              <a:t>, </a:t>
-            </a:r>
-            <a:r>
-              <a:rPr lang="ko-KR" altLang="en-US" sz="2000" dirty="0" err="1">
+              <a:t>)</a:t>
+            </a:r>
+            <a:r>
+              <a:rPr lang="ko-KR" altLang="en-US" sz="2000" dirty="0">
                 <a:solidFill>
                   <a:schemeClr val="bg1">
                     <a:lumMod val="75000"/>
@@ -10966,32 +11059,65 @@
                 <a:latin typeface="ONE 모바일POP OTF"/>
                 <a:ea typeface="ONE 모바일POP OTF"/>
               </a:rPr>
-              <a:t>쿨타임</a:t>
+              <a:t> : </a:t>
             </a:r>
             <a:r>
               <a:rPr lang="en-US" altLang="ko-KR" sz="2000" dirty="0">
                 <a:solidFill>
-                  <a:schemeClr val="bg1">
-                    <a:lumMod val="75000"/>
-                  </a:schemeClr>
+                  <a:schemeClr val="bg1"/>
+                </a:solidFill>
+                <a:latin typeface="ONE 모바일POP OTF"/>
+                <a:ea typeface="ONE 모바일POP OTF"/>
+              </a:rPr>
+              <a:t>?% </a:t>
+            </a:r>
+            <a:r>
+              <a:rPr lang="ko-KR" altLang="en-US" sz="2000" dirty="0">
+                <a:solidFill>
+                  <a:schemeClr val="bg1"/>
+                </a:solidFill>
+                <a:latin typeface="ONE 모바일POP OTF"/>
+                <a:ea typeface="ONE 모바일POP OTF"/>
+              </a:rPr>
+              <a:t>완료 </a:t>
+            </a:r>
+            <a:r>
+              <a:rPr lang="en-US" altLang="ko-KR" sz="2000" dirty="0">
+                <a:solidFill>
+                  <a:srgbClr val="FFFF00"/>
+                </a:solidFill>
+                <a:latin typeface="ONE 모바일POP OTF"/>
+                <a:ea typeface="ONE 모바일POP OTF"/>
+              </a:rPr>
+              <a:t>(</a:t>
+            </a:r>
+            <a:r>
+              <a:rPr lang="ko-KR" altLang="en-US" sz="2000" dirty="0">
+                <a:solidFill>
+                  <a:srgbClr val="FFFF00"/>
+                </a:solidFill>
+                <a:latin typeface="ONE 모바일POP OTF"/>
+                <a:ea typeface="ONE 모바일POP OTF"/>
+              </a:rPr>
+              <a:t>땅 이미지는 임시</a:t>
+            </a:r>
+            <a:r>
+              <a:rPr lang="en-US" altLang="ko-KR" sz="2000" dirty="0">
+                <a:solidFill>
+                  <a:srgbClr val="FFFF00"/>
                 </a:solidFill>
                 <a:latin typeface="ONE 모바일POP OTF"/>
                 <a:ea typeface="ONE 모바일POP OTF"/>
               </a:rPr>
               <a:t>)</a:t>
             </a:r>
-            <a:r>
-              <a:rPr lang="ko-KR" altLang="en-US" sz="2000" dirty="0">
-                <a:solidFill>
-                  <a:schemeClr val="bg1">
-                    <a:lumMod val="75000"/>
-                  </a:schemeClr>
-                </a:solidFill>
-                <a:latin typeface="ONE 모바일POP OTF"/>
-                <a:ea typeface="ONE 모바일POP OTF"/>
-              </a:rPr>
-              <a:t> :</a:t>
-            </a:r>
+            <a:endParaRPr lang="ko-KR" altLang="en-US" sz="2000" dirty="0">
+              <a:solidFill>
+                <a:srgbClr val="FFFF00"/>
+              </a:solidFill>
+              <a:latin typeface="ONE 모바일POP OTF"/>
+              <a:ea typeface="ONE 모바일POP OTF"/>
+            </a:endParaRPr>
           </a:p>
           <a:p>
             <a:pPr lvl="0">
@@ -11056,8 +11182,37 @@
                 <a:latin typeface="ONE 모바일POP OTF"/>
                 <a:ea typeface="ONE 모바일POP OTF"/>
               </a:rPr>
-              <a:t> :</a:t>
-            </a:r>
+              <a:t> : </a:t>
+            </a:r>
+            <a:r>
+              <a:rPr lang="en-US" altLang="ko-KR" sz="2000" dirty="0">
+                <a:solidFill>
+                  <a:schemeClr val="bg1"/>
+                </a:solidFill>
+                <a:latin typeface="ONE 모바일POP OTF"/>
+                <a:ea typeface="ONE 모바일POP OTF"/>
+              </a:rPr>
+              <a:t>?% </a:t>
+            </a:r>
+            <a:r>
+              <a:rPr lang="ko-KR" altLang="en-US" sz="2000" dirty="0">
+                <a:solidFill>
+                  <a:schemeClr val="bg1"/>
+                </a:solidFill>
+                <a:latin typeface="ONE 모바일POP OTF"/>
+                <a:ea typeface="ONE 모바일POP OTF"/>
+              </a:rPr>
+              <a:t>완료</a:t>
+            </a:r>
+            <a:endParaRPr lang="ko-KR" altLang="en-US" sz="2000" dirty="0">
+              <a:solidFill>
+                <a:schemeClr val="bg1">
+                  <a:lumMod val="75000"/>
+                </a:schemeClr>
+              </a:solidFill>
+              <a:latin typeface="ONE 모바일POP OTF"/>
+              <a:ea typeface="ONE 모바일POP OTF"/>
+            </a:endParaRPr>
           </a:p>
           <a:p>
             <a:pPr lvl="0">
@@ -11102,7 +11257,7 @@
                 <a:latin typeface="ONE 모바일POP OTF"/>
                 <a:ea typeface="ONE 모바일POP OTF"/>
               </a:rPr>
-              <a:t>? </a:t>
+              <a:t>?</a:t>
             </a:r>
             <a:r>
               <a:rPr lang="en-US" altLang="ko-KR" sz="2000" dirty="0">
